--- a/Slides/Class04.pptx
+++ b/Slides/Class04.pptx
@@ -5,21 +5,19 @@
     <p:sldMasterId id="2147483648" r:id="rId1"/>
   </p:sldMasterIdLst>
   <p:notesMasterIdLst>
-    <p:notesMasterId r:id="rId11"/>
+    <p:notesMasterId r:id="rId9"/>
   </p:notesMasterIdLst>
   <p:handoutMasterIdLst>
-    <p:handoutMasterId r:id="rId12"/>
+    <p:handoutMasterId r:id="rId10"/>
   </p:handoutMasterIdLst>
   <p:sldIdLst>
     <p:sldId id="258" r:id="rId2"/>
-    <p:sldId id="377" r:id="rId3"/>
-    <p:sldId id="375" r:id="rId4"/>
-    <p:sldId id="368" r:id="rId5"/>
-    <p:sldId id="371" r:id="rId6"/>
-    <p:sldId id="357" r:id="rId7"/>
-    <p:sldId id="372" r:id="rId8"/>
-    <p:sldId id="373" r:id="rId9"/>
-    <p:sldId id="376" r:id="rId10"/>
+    <p:sldId id="368" r:id="rId3"/>
+    <p:sldId id="371" r:id="rId4"/>
+    <p:sldId id="357" r:id="rId5"/>
+    <p:sldId id="372" r:id="rId6"/>
+    <p:sldId id="373" r:id="rId7"/>
+    <p:sldId id="376" r:id="rId8"/>
   </p:sldIdLst>
   <p:sldSz cx="9144000" cy="6858000" type="screen4x3"/>
   <p:notesSz cx="6858000" cy="9144000"/>
@@ -3735,7 +3733,7 @@
         <p:spPr>
           <a:xfrm>
             <a:off x="722088" y="3711629"/>
-            <a:ext cx="7436528" cy="2554545"/>
+            <a:ext cx="7436528" cy="2062103"/>
           </a:xfrm>
           <a:prstGeom prst="rect">
             <a:avLst/>
@@ -3775,31 +3773,11 @@
               <a:buChar char="•"/>
             </a:pPr>
             <a:r>
-              <a:rPr lang="en-US" sz="3200">
-                <a:latin typeface="Times New Roman"/>
-                <a:cs typeface="Times New Roman"/>
-              </a:rPr>
-              <a:t>Research Ethics Presentations</a:t>
-            </a:r>
-          </a:p>
-          <a:p>
-            <a:pPr marL="568325" indent="-457200">
-              <a:buFont typeface="Arial" panose="020B0604020202020204" pitchFamily="34" charset="0"/>
-              <a:buChar char="•"/>
-            </a:pPr>
-            <a:r>
-              <a:rPr lang="en-US" sz="3200">
-                <a:latin typeface="Times New Roman"/>
-                <a:cs typeface="Times New Roman"/>
-              </a:rPr>
-              <a:t>Writing </a:t>
-            </a:r>
-            <a:r>
               <a:rPr lang="en-US" sz="3200" dirty="0">
                 <a:latin typeface="Times New Roman"/>
                 <a:cs typeface="Times New Roman"/>
               </a:rPr>
-              <a:t>Genres</a:t>
+              <a:t>Writing Genres</a:t>
             </a:r>
           </a:p>
           <a:p>
@@ -3831,857 +3809,6 @@
 </file>
 
 <file path=ppt/slides/slide2.xml><?xml version="1.0" encoding="utf-8"?>
-<p:sld xmlns:a="http://schemas.openxmlformats.org/drawingml/2006/main" xmlns:r="http://schemas.openxmlformats.org/officeDocument/2006/relationships" xmlns:p="http://schemas.openxmlformats.org/presentationml/2006/main">
-  <p:cSld>
-    <p:spTree>
-      <p:nvGrpSpPr>
-        <p:cNvPr id="1" name=""/>
-        <p:cNvGrpSpPr/>
-        <p:nvPr/>
-      </p:nvGrpSpPr>
-      <p:grpSpPr>
-        <a:xfrm>
-          <a:off x="0" y="0"/>
-          <a:ext cx="0" cy="0"/>
-          <a:chOff x="0" y="0"/>
-          <a:chExt cx="0" cy="0"/>
-        </a:xfrm>
-      </p:grpSpPr>
-      <p:sp>
-        <p:nvSpPr>
-          <p:cNvPr id="4" name="TextBox 3"/>
-          <p:cNvSpPr txBox="1"/>
-          <p:nvPr/>
-        </p:nvSpPr>
-        <p:spPr>
-          <a:xfrm>
-            <a:off x="275549" y="191702"/>
-            <a:ext cx="5594673" cy="553998"/>
-          </a:xfrm>
-          <a:prstGeom prst="rect">
-            <a:avLst/>
-          </a:prstGeom>
-          <a:noFill/>
-        </p:spPr>
-        <p:txBody>
-          <a:bodyPr wrap="none" rtlCol="0">
-            <a:spAutoFit/>
-          </a:bodyPr>
-          <a:lstStyle/>
-          <a:p>
-            <a:r>
-              <a:rPr lang="en-US" sz="3000" b="1" dirty="0">
-                <a:solidFill>
-                  <a:prstClr val="black"/>
-                </a:solidFill>
-                <a:latin typeface="Times New Roman"/>
-                <a:cs typeface="Times New Roman"/>
-              </a:rPr>
-              <a:t>Research Ethics  </a:t>
-            </a:r>
-            <a:r>
-              <a:rPr lang="en-US" sz="2400" dirty="0">
-                <a:solidFill>
-                  <a:prstClr val="black"/>
-                </a:solidFill>
-                <a:latin typeface="Times New Roman"/>
-                <a:cs typeface="Times New Roman"/>
-              </a:rPr>
-              <a:t>(</a:t>
-            </a:r>
-            <a:r>
-              <a:rPr lang="en-US" sz="2400" i="1" dirty="0">
-                <a:solidFill>
-                  <a:prstClr val="black"/>
-                </a:solidFill>
-                <a:latin typeface="Times New Roman"/>
-                <a:cs typeface="Times New Roman"/>
-              </a:rPr>
-              <a:t>Team presentations</a:t>
-            </a:r>
-            <a:r>
-              <a:rPr lang="en-US" sz="2400" dirty="0">
-                <a:solidFill>
-                  <a:prstClr val="black"/>
-                </a:solidFill>
-                <a:latin typeface="Times New Roman"/>
-                <a:cs typeface="Times New Roman"/>
-              </a:rPr>
-              <a:t>)</a:t>
-            </a:r>
-            <a:endParaRPr lang="en-US" sz="2400" b="1" dirty="0">
-              <a:solidFill>
-                <a:prstClr val="black"/>
-              </a:solidFill>
-              <a:latin typeface="Times New Roman"/>
-              <a:cs typeface="Times New Roman"/>
-            </a:endParaRPr>
-          </a:p>
-        </p:txBody>
-      </p:sp>
-      <p:sp>
-        <p:nvSpPr>
-          <p:cNvPr id="6" name="TextBox 5">
-            <a:extLst>
-              <a:ext uri="{FF2B5EF4-FFF2-40B4-BE49-F238E27FC236}">
-                <a16:creationId xmlns:a16="http://schemas.microsoft.com/office/drawing/2014/main" id="{878A97EC-2834-8447-A6B8-2F5335C4C2C1}"/>
-              </a:ext>
-            </a:extLst>
-          </p:cNvPr>
-          <p:cNvSpPr txBox="1"/>
-          <p:nvPr/>
-        </p:nvSpPr>
-        <p:spPr>
-          <a:xfrm>
-            <a:off x="539603" y="945629"/>
-            <a:ext cx="8502797" cy="4924425"/>
-          </a:xfrm>
-          <a:prstGeom prst="rect">
-            <a:avLst/>
-          </a:prstGeom>
-          <a:noFill/>
-        </p:spPr>
-        <p:txBody>
-          <a:bodyPr wrap="square" rtlCol="0">
-            <a:spAutoFit/>
-          </a:bodyPr>
-          <a:lstStyle/>
-          <a:p>
-            <a:pPr marR="0" lvl="0">
-              <a:spcBef>
-                <a:spcPts val="0"/>
-              </a:spcBef>
-              <a:spcAft>
-                <a:spcPts val="0"/>
-              </a:spcAft>
-            </a:pPr>
-            <a:r>
-              <a:rPr lang="en-US" sz="2400" i="1" dirty="0">
-                <a:latin typeface="Times New Roman" panose="02020603050405020304" pitchFamily="18" charset="0"/>
-                <a:ea typeface="MS Mincho" panose="02020609040205080304" pitchFamily="49" charset="-128"/>
-                <a:cs typeface="Times New Roman" panose="02020603050405020304" pitchFamily="18" charset="0"/>
-              </a:rPr>
-              <a:t>On Being a Scientist: A Guide to Responsible Conduct in Research</a:t>
-            </a:r>
-          </a:p>
-          <a:p>
-            <a:pPr marR="0" lvl="0">
-              <a:spcBef>
-                <a:spcPts val="0"/>
-              </a:spcBef>
-              <a:spcAft>
-                <a:spcPts val="0"/>
-              </a:spcAft>
-            </a:pPr>
-            <a:r>
-              <a:rPr lang="en-US" sz="2200" dirty="0">
-                <a:latin typeface="Times New Roman" panose="02020603050405020304" pitchFamily="18" charset="0"/>
-                <a:ea typeface="MS Mincho" panose="02020609040205080304" pitchFamily="49" charset="-128"/>
-                <a:cs typeface="Times New Roman" panose="02020603050405020304" pitchFamily="18" charset="0"/>
-              </a:rPr>
-              <a:t>3</a:t>
-            </a:r>
-            <a:r>
-              <a:rPr lang="en-US" sz="2200" baseline="30000" dirty="0">
-                <a:latin typeface="Times New Roman" panose="02020603050405020304" pitchFamily="18" charset="0"/>
-                <a:ea typeface="MS Mincho" panose="02020609040205080304" pitchFamily="49" charset="-128"/>
-                <a:cs typeface="Times New Roman" panose="02020603050405020304" pitchFamily="18" charset="0"/>
-              </a:rPr>
-              <a:t>rd</a:t>
-            </a:r>
-            <a:r>
-              <a:rPr lang="en-US" sz="2200" dirty="0">
-                <a:latin typeface="Times New Roman" panose="02020603050405020304" pitchFamily="18" charset="0"/>
-                <a:ea typeface="MS Mincho" panose="02020609040205080304" pitchFamily="49" charset="-128"/>
-                <a:cs typeface="Times New Roman" panose="02020603050405020304" pitchFamily="18" charset="0"/>
-              </a:rPr>
-              <a:t> Edition; Committee on Science, Engineering, and Public Policy; National Academy of Sciences, National Academy of Engineering, and Institute of Medicine of the National Academies</a:t>
-            </a:r>
-          </a:p>
-          <a:p>
-            <a:pPr marR="0" lvl="0">
-              <a:spcBef>
-                <a:spcPts val="0"/>
-              </a:spcBef>
-              <a:spcAft>
-                <a:spcPts val="0"/>
-              </a:spcAft>
-            </a:pPr>
-            <a:endParaRPr lang="en-US" sz="1200" dirty="0">
-              <a:latin typeface="Times New Roman" panose="02020603050405020304" pitchFamily="18" charset="0"/>
-              <a:ea typeface="MS Mincho" panose="02020609040205080304" pitchFamily="49" charset="-128"/>
-              <a:cs typeface="Times New Roman" panose="02020603050405020304" pitchFamily="18" charset="0"/>
-            </a:endParaRPr>
-          </a:p>
-          <a:p>
-            <a:pPr marL="342900" marR="0" lvl="0" indent="-342900">
-              <a:spcBef>
-                <a:spcPts val="0"/>
-              </a:spcBef>
-              <a:spcAft>
-                <a:spcPts val="0"/>
-              </a:spcAft>
-              <a:buFont typeface="Arial" panose="020B0604020202020204" pitchFamily="34" charset="0"/>
-              <a:buChar char="•"/>
-            </a:pPr>
-            <a:r>
-              <a:rPr lang="en-US" sz="2200" dirty="0">
-                <a:latin typeface="Times New Roman" panose="02020603050405020304" pitchFamily="18" charset="0"/>
-                <a:ea typeface="MS Mincho" panose="02020609040205080304" pitchFamily="49" charset="-128"/>
-                <a:cs typeface="Times New Roman" panose="02020603050405020304" pitchFamily="18" charset="0"/>
-              </a:rPr>
-              <a:t>Every team of two students will present in today’s class:</a:t>
-            </a:r>
-          </a:p>
-          <a:p>
-            <a:pPr marL="800100" lvl="1" indent="-342900">
-              <a:buFont typeface="Arial" panose="020B0604020202020204" pitchFamily="34" charset="0"/>
-              <a:buChar char="•"/>
-            </a:pPr>
-            <a:r>
-              <a:rPr lang="en-US" sz="2200" dirty="0">
-                <a:latin typeface="Times New Roman" panose="02020603050405020304" pitchFamily="18" charset="0"/>
-                <a:ea typeface="MS Mincho" panose="02020609040205080304" pitchFamily="49" charset="-128"/>
-                <a:cs typeface="Times New Roman" panose="02020603050405020304" pitchFamily="18" charset="0"/>
-              </a:rPr>
-              <a:t>The three main points of their chapter (</a:t>
-            </a:r>
-            <a:r>
-              <a:rPr lang="en-US" sz="2200" i="1" dirty="0">
-                <a:latin typeface="Times New Roman" panose="02020603050405020304" pitchFamily="18" charset="0"/>
-                <a:ea typeface="MS Mincho" panose="02020609040205080304" pitchFamily="49" charset="-128"/>
-                <a:cs typeface="Times New Roman" panose="02020603050405020304" pitchFamily="18" charset="0"/>
-              </a:rPr>
-              <a:t>3 pts.</a:t>
-            </a:r>
-            <a:r>
-              <a:rPr lang="en-US" sz="2200" dirty="0">
-                <a:latin typeface="Times New Roman" panose="02020603050405020304" pitchFamily="18" charset="0"/>
-                <a:ea typeface="MS Mincho" panose="02020609040205080304" pitchFamily="49" charset="-128"/>
-                <a:cs typeface="Times New Roman" panose="02020603050405020304" pitchFamily="18" charset="0"/>
-              </a:rPr>
-              <a:t>)</a:t>
-            </a:r>
-          </a:p>
-          <a:p>
-            <a:pPr marL="800100" lvl="1" indent="-342900">
-              <a:buFont typeface="Arial" panose="020B0604020202020204" pitchFamily="34" charset="0"/>
-              <a:buChar char="•"/>
-            </a:pPr>
-            <a:r>
-              <a:rPr lang="en-US" sz="2200" dirty="0">
-                <a:latin typeface="Times New Roman" panose="02020603050405020304" pitchFamily="18" charset="0"/>
-                <a:ea typeface="MS Mincho" panose="02020609040205080304" pitchFamily="49" charset="-128"/>
-                <a:cs typeface="Times New Roman" panose="02020603050405020304" pitchFamily="18" charset="0"/>
-              </a:rPr>
-              <a:t>A summary of their case study (</a:t>
-            </a:r>
-            <a:r>
-              <a:rPr lang="en-US" sz="2200" i="1" dirty="0">
-                <a:latin typeface="Times New Roman" panose="02020603050405020304" pitchFamily="18" charset="0"/>
-                <a:ea typeface="MS Mincho" panose="02020609040205080304" pitchFamily="49" charset="-128"/>
-                <a:cs typeface="Times New Roman" panose="02020603050405020304" pitchFamily="18" charset="0"/>
-              </a:rPr>
-              <a:t>2 pts.</a:t>
-            </a:r>
-            <a:r>
-              <a:rPr lang="en-US" sz="2200" dirty="0">
-                <a:latin typeface="Times New Roman" panose="02020603050405020304" pitchFamily="18" charset="0"/>
-                <a:ea typeface="MS Mincho" panose="02020609040205080304" pitchFamily="49" charset="-128"/>
-                <a:cs typeface="Times New Roman" panose="02020603050405020304" pitchFamily="18" charset="0"/>
-              </a:rPr>
-              <a:t>)</a:t>
-            </a:r>
-          </a:p>
-          <a:p>
-            <a:pPr marL="800100" lvl="1" indent="-342900">
-              <a:buFont typeface="Arial" panose="020B0604020202020204" pitchFamily="34" charset="0"/>
-              <a:buChar char="•"/>
-            </a:pPr>
-            <a:r>
-              <a:rPr lang="en-US" sz="2200" dirty="0">
-                <a:latin typeface="Times New Roman" panose="02020603050405020304" pitchFamily="18" charset="0"/>
-                <a:ea typeface="MS Mincho" panose="02020609040205080304" pitchFamily="49" charset="-128"/>
-                <a:cs typeface="Times New Roman" panose="02020603050405020304" pitchFamily="18" charset="0"/>
-              </a:rPr>
-              <a:t>A discussion of two questions at the end of their case study (</a:t>
-            </a:r>
-            <a:r>
-              <a:rPr lang="en-US" sz="2200" i="1" dirty="0">
-                <a:latin typeface="Times New Roman" panose="02020603050405020304" pitchFamily="18" charset="0"/>
-                <a:ea typeface="MS Mincho" panose="02020609040205080304" pitchFamily="49" charset="-128"/>
-                <a:cs typeface="Times New Roman" panose="02020603050405020304" pitchFamily="18" charset="0"/>
-              </a:rPr>
-              <a:t>3 pts.</a:t>
-            </a:r>
-            <a:r>
-              <a:rPr lang="en-US" sz="2200" dirty="0">
-                <a:latin typeface="Times New Roman" panose="02020603050405020304" pitchFamily="18" charset="0"/>
-                <a:ea typeface="MS Mincho" panose="02020609040205080304" pitchFamily="49" charset="-128"/>
-                <a:cs typeface="Times New Roman" panose="02020603050405020304" pitchFamily="18" charset="0"/>
-              </a:rPr>
-              <a:t>)</a:t>
-            </a:r>
-          </a:p>
-          <a:p>
-            <a:pPr marL="800100" lvl="1" indent="-342900">
-              <a:buFont typeface="Arial" panose="020B0604020202020204" pitchFamily="34" charset="0"/>
-              <a:buChar char="•"/>
-            </a:pPr>
-            <a:r>
-              <a:rPr lang="en-US" sz="2200" dirty="0">
-                <a:latin typeface="Times New Roman" panose="02020603050405020304" pitchFamily="18" charset="0"/>
-                <a:ea typeface="MS Mincho" panose="02020609040205080304" pitchFamily="49" charset="-128"/>
-                <a:cs typeface="Times New Roman" panose="02020603050405020304" pitchFamily="18" charset="0"/>
-              </a:rPr>
-              <a:t>An open question to the class related to their chapter (</a:t>
-            </a:r>
-            <a:r>
-              <a:rPr lang="en-US" sz="2200" i="1" dirty="0">
-                <a:latin typeface="Times New Roman" panose="02020603050405020304" pitchFamily="18" charset="0"/>
-                <a:ea typeface="MS Mincho" panose="02020609040205080304" pitchFamily="49" charset="-128"/>
-                <a:cs typeface="Times New Roman" panose="02020603050405020304" pitchFamily="18" charset="0"/>
-              </a:rPr>
-              <a:t>2 pts.</a:t>
-            </a:r>
-            <a:r>
-              <a:rPr lang="en-US" sz="2200" dirty="0">
-                <a:latin typeface="Times New Roman" panose="02020603050405020304" pitchFamily="18" charset="0"/>
-                <a:ea typeface="MS Mincho" panose="02020609040205080304" pitchFamily="49" charset="-128"/>
-                <a:cs typeface="Times New Roman" panose="02020603050405020304" pitchFamily="18" charset="0"/>
-              </a:rPr>
-              <a:t>)</a:t>
-            </a:r>
-          </a:p>
-          <a:p>
-            <a:pPr marL="342900" indent="-342900">
-              <a:buFont typeface="Arial" panose="020B0604020202020204" pitchFamily="34" charset="0"/>
-              <a:buChar char="•"/>
-            </a:pPr>
-            <a:endParaRPr lang="en-US" sz="1200" dirty="0">
-              <a:latin typeface="Times New Roman" panose="02020603050405020304" pitchFamily="18" charset="0"/>
-              <a:ea typeface="MS Mincho" panose="02020609040205080304" pitchFamily="49" charset="-128"/>
-              <a:cs typeface="Times New Roman" panose="02020603050405020304" pitchFamily="18" charset="0"/>
-            </a:endParaRPr>
-          </a:p>
-          <a:p>
-            <a:pPr marL="342900" indent="-342900">
-              <a:buFont typeface="Arial" panose="020B0604020202020204" pitchFamily="34" charset="0"/>
-              <a:buChar char="•"/>
-            </a:pPr>
-            <a:r>
-              <a:rPr lang="en-US" sz="2200" dirty="0">
-                <a:latin typeface="Times New Roman" panose="02020603050405020304" pitchFamily="18" charset="0"/>
-                <a:ea typeface="MS Mincho" panose="02020609040205080304" pitchFamily="49" charset="-128"/>
-                <a:cs typeface="Times New Roman" panose="02020603050405020304" pitchFamily="18" charset="0"/>
-              </a:rPr>
-              <a:t>No slides for the presentations</a:t>
-            </a:r>
-          </a:p>
-          <a:p>
-            <a:pPr marL="342900" indent="-342900">
-              <a:buFont typeface="Arial" panose="020B0604020202020204" pitchFamily="34" charset="0"/>
-              <a:buChar char="•"/>
-            </a:pPr>
-            <a:endParaRPr lang="en-US" sz="1200" dirty="0">
-              <a:latin typeface="Times New Roman" panose="02020603050405020304" pitchFamily="18" charset="0"/>
-              <a:ea typeface="MS Mincho" panose="02020609040205080304" pitchFamily="49" charset="-128"/>
-              <a:cs typeface="Times New Roman" panose="02020603050405020304" pitchFamily="18" charset="0"/>
-            </a:endParaRPr>
-          </a:p>
-          <a:p>
-            <a:pPr marL="342900" indent="-342900">
-              <a:buFont typeface="Arial" panose="020B0604020202020204" pitchFamily="34" charset="0"/>
-              <a:buChar char="•"/>
-            </a:pPr>
-            <a:r>
-              <a:rPr lang="en-US" sz="2200" dirty="0">
-                <a:latin typeface="Times New Roman" panose="02020603050405020304" pitchFamily="18" charset="0"/>
-                <a:ea typeface="MS Mincho" panose="02020609040205080304" pitchFamily="49" charset="-128"/>
-                <a:cs typeface="Times New Roman" panose="02020603050405020304" pitchFamily="18" charset="0"/>
-              </a:rPr>
-              <a:t>4 minutes maximum per team</a:t>
-            </a:r>
-          </a:p>
-          <a:p>
-            <a:pPr marL="342900" indent="-342900">
-              <a:buFont typeface="Arial" panose="020B0604020202020204" pitchFamily="34" charset="0"/>
-              <a:buChar char="•"/>
-            </a:pPr>
-            <a:endParaRPr lang="en-US" sz="1200" dirty="0">
-              <a:latin typeface="Times New Roman" panose="02020603050405020304" pitchFamily="18" charset="0"/>
-              <a:ea typeface="MS Mincho" panose="02020609040205080304" pitchFamily="49" charset="-128"/>
-              <a:cs typeface="Times New Roman" panose="02020603050405020304" pitchFamily="18" charset="0"/>
-            </a:endParaRPr>
-          </a:p>
-          <a:p>
-            <a:pPr marL="342900" indent="-342900">
-              <a:buFont typeface="Arial" panose="020B0604020202020204" pitchFamily="34" charset="0"/>
-              <a:buChar char="•"/>
-            </a:pPr>
-            <a:r>
-              <a:rPr lang="en-US" sz="2200" dirty="0">
-                <a:latin typeface="Times New Roman" panose="02020603050405020304" pitchFamily="18" charset="0"/>
-                <a:ea typeface="MS Mincho" panose="02020609040205080304" pitchFamily="49" charset="-128"/>
-                <a:cs typeface="Times New Roman" panose="02020603050405020304" pitchFamily="18" charset="0"/>
-              </a:rPr>
-              <a:t>Make sure that the presentation time for both team members is equal</a:t>
-            </a:r>
-          </a:p>
-        </p:txBody>
-      </p:sp>
-    </p:spTree>
-    <p:extLst>
-      <p:ext uri="{BB962C8B-B14F-4D97-AF65-F5344CB8AC3E}">
-        <p14:creationId xmlns:p14="http://schemas.microsoft.com/office/powerpoint/2010/main" val="2754924546"/>
-      </p:ext>
-    </p:extLst>
-  </p:cSld>
-  <p:clrMapOvr>
-    <a:masterClrMapping/>
-  </p:clrMapOvr>
-</p:sld>
-</file>
-
-<file path=ppt/slides/slide3.xml><?xml version="1.0" encoding="utf-8"?>
-<p:sld xmlns:a="http://schemas.openxmlformats.org/drawingml/2006/main" xmlns:r="http://schemas.openxmlformats.org/officeDocument/2006/relationships" xmlns:p="http://schemas.openxmlformats.org/presentationml/2006/main">
-  <p:cSld>
-    <p:spTree>
-      <p:nvGrpSpPr>
-        <p:cNvPr id="1" name=""/>
-        <p:cNvGrpSpPr/>
-        <p:nvPr/>
-      </p:nvGrpSpPr>
-      <p:grpSpPr>
-        <a:xfrm>
-          <a:off x="0" y="0"/>
-          <a:ext cx="0" cy="0"/>
-          <a:chOff x="0" y="0"/>
-          <a:chExt cx="0" cy="0"/>
-        </a:xfrm>
-      </p:grpSpPr>
-      <p:sp>
-        <p:nvSpPr>
-          <p:cNvPr id="4" name="TextBox 3"/>
-          <p:cNvSpPr txBox="1"/>
-          <p:nvPr/>
-        </p:nvSpPr>
-        <p:spPr>
-          <a:xfrm>
-            <a:off x="275549" y="191702"/>
-            <a:ext cx="5594673" cy="553998"/>
-          </a:xfrm>
-          <a:prstGeom prst="rect">
-            <a:avLst/>
-          </a:prstGeom>
-          <a:noFill/>
-        </p:spPr>
-        <p:txBody>
-          <a:bodyPr wrap="none" rtlCol="0">
-            <a:spAutoFit/>
-          </a:bodyPr>
-          <a:lstStyle/>
-          <a:p>
-            <a:r>
-              <a:rPr lang="en-US" sz="3000" b="1" dirty="0">
-                <a:solidFill>
-                  <a:prstClr val="black"/>
-                </a:solidFill>
-                <a:latin typeface="Times New Roman"/>
-                <a:cs typeface="Times New Roman"/>
-              </a:rPr>
-              <a:t>Research Ethics  </a:t>
-            </a:r>
-            <a:r>
-              <a:rPr lang="en-US" sz="2400" dirty="0">
-                <a:solidFill>
-                  <a:prstClr val="black"/>
-                </a:solidFill>
-                <a:latin typeface="Times New Roman"/>
-                <a:cs typeface="Times New Roman"/>
-              </a:rPr>
-              <a:t>(</a:t>
-            </a:r>
-            <a:r>
-              <a:rPr lang="en-US" sz="2400" i="1" dirty="0">
-                <a:solidFill>
-                  <a:prstClr val="black"/>
-                </a:solidFill>
-                <a:latin typeface="Times New Roman"/>
-                <a:cs typeface="Times New Roman"/>
-              </a:rPr>
-              <a:t>Team presentations</a:t>
-            </a:r>
-            <a:r>
-              <a:rPr lang="en-US" sz="2400" dirty="0">
-                <a:solidFill>
-                  <a:prstClr val="black"/>
-                </a:solidFill>
-                <a:latin typeface="Times New Roman"/>
-                <a:cs typeface="Times New Roman"/>
-              </a:rPr>
-              <a:t>)</a:t>
-            </a:r>
-            <a:endParaRPr lang="en-US" sz="2400" b="1" dirty="0">
-              <a:solidFill>
-                <a:prstClr val="black"/>
-              </a:solidFill>
-              <a:latin typeface="Times New Roman"/>
-              <a:cs typeface="Times New Roman"/>
-            </a:endParaRPr>
-          </a:p>
-        </p:txBody>
-      </p:sp>
-      <p:sp>
-        <p:nvSpPr>
-          <p:cNvPr id="6" name="TextBox 5">
-            <a:extLst>
-              <a:ext uri="{FF2B5EF4-FFF2-40B4-BE49-F238E27FC236}">
-                <a16:creationId xmlns:a16="http://schemas.microsoft.com/office/drawing/2014/main" id="{878A97EC-2834-8447-A6B8-2F5335C4C2C1}"/>
-              </a:ext>
-            </a:extLst>
-          </p:cNvPr>
-          <p:cNvSpPr txBox="1"/>
-          <p:nvPr/>
-        </p:nvSpPr>
-        <p:spPr>
-          <a:xfrm>
-            <a:off x="539603" y="945629"/>
-            <a:ext cx="8604397" cy="5724644"/>
-          </a:xfrm>
-          <a:prstGeom prst="rect">
-            <a:avLst/>
-          </a:prstGeom>
-          <a:noFill/>
-        </p:spPr>
-        <p:txBody>
-          <a:bodyPr wrap="square" rtlCol="0">
-            <a:spAutoFit/>
-          </a:bodyPr>
-          <a:lstStyle/>
-          <a:p>
-            <a:pPr marR="0" lvl="0">
-              <a:spcBef>
-                <a:spcPts val="0"/>
-              </a:spcBef>
-              <a:spcAft>
-                <a:spcPts val="0"/>
-              </a:spcAft>
-            </a:pPr>
-            <a:r>
-              <a:rPr lang="en-US" sz="2400" i="1" dirty="0">
-                <a:latin typeface="Times New Roman" panose="02020603050405020304" pitchFamily="18" charset="0"/>
-                <a:ea typeface="MS Mincho" panose="02020609040205080304" pitchFamily="49" charset="-128"/>
-                <a:cs typeface="Times New Roman" panose="02020603050405020304" pitchFamily="18" charset="0"/>
-              </a:rPr>
-              <a:t>On Being a Scientist: A Guide to Responsible Conduct in Research</a:t>
-            </a:r>
-          </a:p>
-          <a:p>
-            <a:pPr marR="0" lvl="0">
-              <a:spcBef>
-                <a:spcPts val="0"/>
-              </a:spcBef>
-              <a:spcAft>
-                <a:spcPts val="0"/>
-              </a:spcAft>
-            </a:pPr>
-            <a:r>
-              <a:rPr lang="en-US" sz="2200" dirty="0">
-                <a:latin typeface="Times New Roman" panose="02020603050405020304" pitchFamily="18" charset="0"/>
-                <a:ea typeface="MS Mincho" panose="02020609040205080304" pitchFamily="49" charset="-128"/>
-                <a:cs typeface="Times New Roman" panose="02020603050405020304" pitchFamily="18" charset="0"/>
-              </a:rPr>
-              <a:t>3</a:t>
-            </a:r>
-            <a:r>
-              <a:rPr lang="en-US" sz="2200" baseline="30000" dirty="0">
-                <a:latin typeface="Times New Roman" panose="02020603050405020304" pitchFamily="18" charset="0"/>
-                <a:ea typeface="MS Mincho" panose="02020609040205080304" pitchFamily="49" charset="-128"/>
-                <a:cs typeface="Times New Roman" panose="02020603050405020304" pitchFamily="18" charset="0"/>
-              </a:rPr>
-              <a:t>rd</a:t>
-            </a:r>
-            <a:r>
-              <a:rPr lang="en-US" sz="2200" dirty="0">
-                <a:latin typeface="Times New Roman" panose="02020603050405020304" pitchFamily="18" charset="0"/>
-                <a:ea typeface="MS Mincho" panose="02020609040205080304" pitchFamily="49" charset="-128"/>
-                <a:cs typeface="Times New Roman" panose="02020603050405020304" pitchFamily="18" charset="0"/>
-              </a:rPr>
-              <a:t> Edition; Committee on Science, Engineering, and Public Policy; National Academy of Sciences, National Academy of Engineering, and Institute of Medicine of the National Academies</a:t>
-            </a:r>
-          </a:p>
-          <a:p>
-            <a:pPr marR="0" lvl="0">
-              <a:spcBef>
-                <a:spcPts val="0"/>
-              </a:spcBef>
-              <a:spcAft>
-                <a:spcPts val="0"/>
-              </a:spcAft>
-            </a:pPr>
-            <a:endParaRPr lang="en-US" sz="1200" dirty="0">
-              <a:latin typeface="Times New Roman" panose="02020603050405020304" pitchFamily="18" charset="0"/>
-              <a:ea typeface="MS Mincho" panose="02020609040205080304" pitchFamily="49" charset="-128"/>
-              <a:cs typeface="Times New Roman" panose="02020603050405020304" pitchFamily="18" charset="0"/>
-            </a:endParaRPr>
-          </a:p>
-          <a:p>
-            <a:pPr marL="342900" marR="0" lvl="0" indent="-342900">
-              <a:spcBef>
-                <a:spcPts val="0"/>
-              </a:spcBef>
-              <a:spcAft>
-                <a:spcPts val="0"/>
-              </a:spcAft>
-              <a:buFont typeface="Arial" panose="020B0604020202020204" pitchFamily="34" charset="0"/>
-              <a:buChar char="•"/>
-            </a:pPr>
-            <a:r>
-              <a:rPr lang="en-US" sz="2200" dirty="0">
-                <a:latin typeface="Times New Roman" panose="02020603050405020304" pitchFamily="18" charset="0"/>
-                <a:ea typeface="MS Mincho" panose="02020609040205080304" pitchFamily="49" charset="-128"/>
-                <a:cs typeface="Times New Roman" panose="02020603050405020304" pitchFamily="18" charset="0"/>
-              </a:rPr>
-              <a:t>All: Introduction to the Responsible Conduct of Research</a:t>
-            </a:r>
-          </a:p>
-          <a:p>
-            <a:pPr marL="342900" marR="0" lvl="0" indent="-342900">
-              <a:spcBef>
-                <a:spcPts val="0"/>
-              </a:spcBef>
-              <a:spcAft>
-                <a:spcPts val="0"/>
-              </a:spcAft>
-              <a:buFont typeface="Arial" panose="020B0604020202020204" pitchFamily="34" charset="0"/>
-              <a:buChar char="•"/>
-            </a:pPr>
-            <a:r>
-              <a:rPr lang="en-US" sz="2200" dirty="0">
-                <a:latin typeface="Times New Roman" panose="02020603050405020304" pitchFamily="18" charset="0"/>
-                <a:ea typeface="MS Mincho" panose="02020609040205080304" pitchFamily="49" charset="-128"/>
-                <a:cs typeface="Times New Roman" panose="02020603050405020304" pitchFamily="18" charset="0"/>
-              </a:rPr>
-              <a:t>Team 1: Advising and Mentoring</a:t>
-            </a:r>
-          </a:p>
-          <a:p>
-            <a:pPr marL="342900" marR="0" lvl="0" indent="-342900">
-              <a:spcBef>
-                <a:spcPts val="0"/>
-              </a:spcBef>
-              <a:spcAft>
-                <a:spcPts val="0"/>
-              </a:spcAft>
-              <a:buFont typeface="Arial" panose="020B0604020202020204" pitchFamily="34" charset="0"/>
-              <a:buChar char="•"/>
-            </a:pPr>
-            <a:r>
-              <a:rPr lang="en-US" sz="2200" dirty="0">
-                <a:latin typeface="Times New Roman" panose="02020603050405020304" pitchFamily="18" charset="0"/>
-                <a:ea typeface="MS Mincho" panose="02020609040205080304" pitchFamily="49" charset="-128"/>
-                <a:cs typeface="Times New Roman" panose="02020603050405020304" pitchFamily="18" charset="0"/>
-              </a:rPr>
-              <a:t>Team 2: The Treatment of Data</a:t>
-            </a:r>
-          </a:p>
-          <a:p>
-            <a:pPr marL="342900" marR="0" lvl="0" indent="-342900">
-              <a:spcBef>
-                <a:spcPts val="0"/>
-              </a:spcBef>
-              <a:spcAft>
-                <a:spcPts val="0"/>
-              </a:spcAft>
-              <a:buFont typeface="Arial" panose="020B0604020202020204" pitchFamily="34" charset="0"/>
-              <a:buChar char="•"/>
-            </a:pPr>
-            <a:r>
-              <a:rPr lang="en-US" sz="2200" dirty="0">
-                <a:latin typeface="Times New Roman" panose="02020603050405020304" pitchFamily="18" charset="0"/>
-                <a:ea typeface="MS Mincho" panose="02020609040205080304" pitchFamily="49" charset="-128"/>
-                <a:cs typeface="Times New Roman" panose="02020603050405020304" pitchFamily="18" charset="0"/>
-              </a:rPr>
-              <a:t>Team 3: Mistakes and Negligence</a:t>
-            </a:r>
-          </a:p>
-          <a:p>
-            <a:pPr marL="342900" marR="0" lvl="0" indent="-342900">
-              <a:spcBef>
-                <a:spcPts val="0"/>
-              </a:spcBef>
-              <a:spcAft>
-                <a:spcPts val="0"/>
-              </a:spcAft>
-              <a:buFont typeface="Arial" panose="020B0604020202020204" pitchFamily="34" charset="0"/>
-              <a:buChar char="•"/>
-            </a:pPr>
-            <a:r>
-              <a:rPr lang="en-US" sz="2200" dirty="0">
-                <a:latin typeface="Times New Roman" panose="02020603050405020304" pitchFamily="18" charset="0"/>
-                <a:ea typeface="MS Mincho" panose="02020609040205080304" pitchFamily="49" charset="-128"/>
-                <a:cs typeface="Times New Roman" panose="02020603050405020304" pitchFamily="18" charset="0"/>
-              </a:rPr>
-              <a:t>Team 4: Research Misconduct</a:t>
-            </a:r>
-          </a:p>
-          <a:p>
-            <a:pPr marL="342900" marR="0" lvl="0" indent="-342900">
-              <a:spcBef>
-                <a:spcPts val="0"/>
-              </a:spcBef>
-              <a:spcAft>
-                <a:spcPts val="0"/>
-              </a:spcAft>
-              <a:buFont typeface="Arial" panose="020B0604020202020204" pitchFamily="34" charset="0"/>
-              <a:buChar char="•"/>
-            </a:pPr>
-            <a:r>
-              <a:rPr lang="en-US" sz="2200" dirty="0">
-                <a:latin typeface="Times New Roman" panose="02020603050405020304" pitchFamily="18" charset="0"/>
-                <a:ea typeface="MS Mincho" panose="02020609040205080304" pitchFamily="49" charset="-128"/>
-                <a:cs typeface="Times New Roman" panose="02020603050405020304" pitchFamily="18" charset="0"/>
-              </a:rPr>
-              <a:t>Team 5: Responding to Suspected Violations of Professional Standards</a:t>
-            </a:r>
-          </a:p>
-          <a:p>
-            <a:pPr marL="342900" marR="0" lvl="0" indent="-342900">
-              <a:spcBef>
-                <a:spcPts val="0"/>
-              </a:spcBef>
-              <a:spcAft>
-                <a:spcPts val="0"/>
-              </a:spcAft>
-              <a:buFont typeface="Arial" panose="020B0604020202020204" pitchFamily="34" charset="0"/>
-              <a:buChar char="•"/>
-            </a:pPr>
-            <a:r>
-              <a:rPr lang="en-US" sz="2200" dirty="0">
-                <a:latin typeface="Times New Roman" panose="02020603050405020304" pitchFamily="18" charset="0"/>
-                <a:ea typeface="MS Mincho" panose="02020609040205080304" pitchFamily="49" charset="-128"/>
-                <a:cs typeface="Times New Roman" panose="02020603050405020304" pitchFamily="18" charset="0"/>
-              </a:rPr>
-              <a:t>Team 6: Human Participants and Animal Subjects in Research</a:t>
-            </a:r>
-          </a:p>
-          <a:p>
-            <a:pPr marL="342900" marR="0" lvl="0" indent="-342900">
-              <a:spcBef>
-                <a:spcPts val="0"/>
-              </a:spcBef>
-              <a:spcAft>
-                <a:spcPts val="0"/>
-              </a:spcAft>
-              <a:buFont typeface="Arial" panose="020B0604020202020204" pitchFamily="34" charset="0"/>
-              <a:buChar char="•"/>
-            </a:pPr>
-            <a:r>
-              <a:rPr lang="en-US" sz="2200" dirty="0">
-                <a:latin typeface="Times New Roman" panose="02020603050405020304" pitchFamily="18" charset="0"/>
-                <a:ea typeface="MS Mincho" panose="02020609040205080304" pitchFamily="49" charset="-128"/>
-                <a:cs typeface="Times New Roman" panose="02020603050405020304" pitchFamily="18" charset="0"/>
-              </a:rPr>
-              <a:t>Team 7: Sharing of Research Results</a:t>
-            </a:r>
-          </a:p>
-          <a:p>
-            <a:pPr marL="342900" marR="0" lvl="0" indent="-342900">
-              <a:spcBef>
-                <a:spcPts val="0"/>
-              </a:spcBef>
-              <a:spcAft>
-                <a:spcPts val="0"/>
-              </a:spcAft>
-              <a:buFont typeface="Arial" panose="020B0604020202020204" pitchFamily="34" charset="0"/>
-              <a:buChar char="•"/>
-            </a:pPr>
-            <a:r>
-              <a:rPr lang="en-US" sz="2200" dirty="0">
-                <a:latin typeface="Times New Roman" panose="02020603050405020304" pitchFamily="18" charset="0"/>
-                <a:ea typeface="MS Mincho" panose="02020609040205080304" pitchFamily="49" charset="-128"/>
-                <a:cs typeface="Times New Roman" panose="02020603050405020304" pitchFamily="18" charset="0"/>
-              </a:rPr>
-              <a:t>Team 8: Authorship and the Allocation of Credit</a:t>
-            </a:r>
-          </a:p>
-          <a:p>
-            <a:pPr marL="342900" marR="0" lvl="0" indent="-342900">
-              <a:spcBef>
-                <a:spcPts val="0"/>
-              </a:spcBef>
-              <a:spcAft>
-                <a:spcPts val="0"/>
-              </a:spcAft>
-              <a:buFont typeface="Arial" panose="020B0604020202020204" pitchFamily="34" charset="0"/>
-              <a:buChar char="•"/>
-            </a:pPr>
-            <a:r>
-              <a:rPr lang="en-US" sz="2200" dirty="0">
-                <a:latin typeface="Times New Roman" panose="02020603050405020304" pitchFamily="18" charset="0"/>
-                <a:ea typeface="MS Mincho" panose="02020609040205080304" pitchFamily="49" charset="-128"/>
-                <a:cs typeface="Times New Roman" panose="02020603050405020304" pitchFamily="18" charset="0"/>
-              </a:rPr>
-              <a:t>Team 9: Intellectual Property</a:t>
-            </a:r>
-          </a:p>
-          <a:p>
-            <a:pPr marL="342900" marR="0" lvl="0" indent="-342900">
-              <a:spcBef>
-                <a:spcPts val="0"/>
-              </a:spcBef>
-              <a:spcAft>
-                <a:spcPts val="0"/>
-              </a:spcAft>
-              <a:buFont typeface="Arial" panose="020B0604020202020204" pitchFamily="34" charset="0"/>
-              <a:buChar char="•"/>
-            </a:pPr>
-            <a:r>
-              <a:rPr lang="en-US" sz="2200" dirty="0">
-                <a:latin typeface="Times New Roman" panose="02020603050405020304" pitchFamily="18" charset="0"/>
-                <a:ea typeface="MS Mincho" panose="02020609040205080304" pitchFamily="49" charset="-128"/>
-                <a:cs typeface="Times New Roman" panose="02020603050405020304" pitchFamily="18" charset="0"/>
-              </a:rPr>
-              <a:t>Team 10: Competing Interests, Commitments and Values</a:t>
-            </a:r>
-          </a:p>
-          <a:p>
-            <a:pPr marL="342900" marR="0" lvl="0" indent="-342900">
-              <a:spcBef>
-                <a:spcPts val="0"/>
-              </a:spcBef>
-              <a:spcAft>
-                <a:spcPts val="0"/>
-              </a:spcAft>
-              <a:buFont typeface="Arial" panose="020B0604020202020204" pitchFamily="34" charset="0"/>
-              <a:buChar char="•"/>
-            </a:pPr>
-            <a:r>
-              <a:rPr lang="en-US" sz="2200" dirty="0">
-                <a:latin typeface="Times New Roman" panose="02020603050405020304" pitchFamily="18" charset="0"/>
-                <a:ea typeface="MS Mincho" panose="02020609040205080304" pitchFamily="49" charset="-128"/>
-                <a:cs typeface="Times New Roman" panose="02020603050405020304" pitchFamily="18" charset="0"/>
-              </a:rPr>
-              <a:t>All: The Researcher in Society</a:t>
-            </a:r>
-          </a:p>
-        </p:txBody>
-      </p:sp>
-    </p:spTree>
-    <p:extLst>
-      <p:ext uri="{BB962C8B-B14F-4D97-AF65-F5344CB8AC3E}">
-        <p14:creationId xmlns:p14="http://schemas.microsoft.com/office/powerpoint/2010/main" val="543806899"/>
-      </p:ext>
-    </p:extLst>
-  </p:cSld>
-  <p:clrMapOvr>
-    <a:masterClrMapping/>
-  </p:clrMapOvr>
-</p:sld>
-</file>
-
-<file path=ppt/slides/slide4.xml><?xml version="1.0" encoding="utf-8"?>
 <p:sld xmlns:a="http://schemas.openxmlformats.org/drawingml/2006/main" xmlns:r="http://schemas.openxmlformats.org/officeDocument/2006/relationships" xmlns:p="http://schemas.openxmlformats.org/presentationml/2006/main">
   <p:cSld>
     <p:spTree>
@@ -5150,7 +4277,7 @@
 </p:sld>
 </file>
 
-<file path=ppt/slides/slide5.xml><?xml version="1.0" encoding="utf-8"?>
+<file path=ppt/slides/slide3.xml><?xml version="1.0" encoding="utf-8"?>
 <p:sld xmlns:a="http://schemas.openxmlformats.org/drawingml/2006/main" xmlns:r="http://schemas.openxmlformats.org/officeDocument/2006/relationships" xmlns:p="http://schemas.openxmlformats.org/presentationml/2006/main">
   <p:cSld>
     <p:spTree>
@@ -5421,7 +4548,7 @@
 </p:sld>
 </file>
 
-<file path=ppt/slides/slide6.xml><?xml version="1.0" encoding="utf-8"?>
+<file path=ppt/slides/slide4.xml><?xml version="1.0" encoding="utf-8"?>
 <p:sld xmlns:a="http://schemas.openxmlformats.org/drawingml/2006/main" xmlns:r="http://schemas.openxmlformats.org/officeDocument/2006/relationships" xmlns:p="http://schemas.openxmlformats.org/presentationml/2006/main">
   <p:cSld>
     <p:spTree>
@@ -6071,7 +5198,7 @@
 </p:sld>
 </file>
 
-<file path=ppt/slides/slide7.xml><?xml version="1.0" encoding="utf-8"?>
+<file path=ppt/slides/slide5.xml><?xml version="1.0" encoding="utf-8"?>
 <p:sld xmlns:a="http://schemas.openxmlformats.org/drawingml/2006/main" xmlns:r="http://schemas.openxmlformats.org/officeDocument/2006/relationships" xmlns:p="http://schemas.openxmlformats.org/presentationml/2006/main">
   <p:cSld>
     <p:spTree>
@@ -6866,7 +5993,7 @@
 </p:sld>
 </file>
 
-<file path=ppt/slides/slide8.xml><?xml version="1.0" encoding="utf-8"?>
+<file path=ppt/slides/slide6.xml><?xml version="1.0" encoding="utf-8"?>
 <p:sld xmlns:a="http://schemas.openxmlformats.org/drawingml/2006/main" xmlns:r="http://schemas.openxmlformats.org/officeDocument/2006/relationships" xmlns:p="http://schemas.openxmlformats.org/presentationml/2006/main">
   <p:cSld>
     <p:spTree>
@@ -7809,7 +6936,7 @@
 </p:sld>
 </file>
 
-<file path=ppt/slides/slide9.xml><?xml version="1.0" encoding="utf-8"?>
+<file path=ppt/slides/slide7.xml><?xml version="1.0" encoding="utf-8"?>
 <p:sld xmlns:a="http://schemas.openxmlformats.org/drawingml/2006/main" xmlns:r="http://schemas.openxmlformats.org/officeDocument/2006/relationships" xmlns:p="http://schemas.openxmlformats.org/presentationml/2006/main">
   <p:cSld>
     <p:spTree>

--- a/Slides/Class04.pptx
+++ b/Slides/Class04.pptx
@@ -231,7 +231,7 @@
           <a:p>
             <a:fld id="{C24322AF-E05B-7249-906C-FBAC6154C037}" type="datetimeFigureOut">
               <a:rPr lang="en-US" smtClean="0"/>
-              <a:t>12/11/18</a:t>
+              <a:t>6/18/25</a:t>
             </a:fld>
             <a:endParaRPr lang="en-US"/>
           </a:p>
@@ -397,7 +397,7 @@
             <a:fld id="{06A43BE5-3BD4-F642-8751-88A31D8D6D13}" type="datetimeFigureOut">
               <a:rPr lang="en-US" smtClean="0"/>
               <a:pPr/>
-              <a:t>12/11/18</a:t>
+              <a:t>6/18/25</a:t>
             </a:fld>
             <a:endParaRPr lang="en-US"/>
           </a:p>
@@ -940,7 +940,7 @@
             <a:fld id="{A4FA2B0E-4818-9849-9CF1-1031FD4E1DAB}" type="datetimeFigureOut">
               <a:rPr lang="en-US" smtClean="0"/>
               <a:pPr/>
-              <a:t>12/11/18</a:t>
+              <a:t>6/18/25</a:t>
             </a:fld>
             <a:endParaRPr lang="en-US"/>
           </a:p>
@@ -1105,7 +1105,7 @@
             <a:fld id="{A4FA2B0E-4818-9849-9CF1-1031FD4E1DAB}" type="datetimeFigureOut">
               <a:rPr lang="en-US" smtClean="0"/>
               <a:pPr/>
-              <a:t>12/11/18</a:t>
+              <a:t>6/18/25</a:t>
             </a:fld>
             <a:endParaRPr lang="en-US"/>
           </a:p>
@@ -1280,7 +1280,7 @@
             <a:fld id="{A4FA2B0E-4818-9849-9CF1-1031FD4E1DAB}" type="datetimeFigureOut">
               <a:rPr lang="en-US" smtClean="0"/>
               <a:pPr/>
-              <a:t>12/11/18</a:t>
+              <a:t>6/18/25</a:t>
             </a:fld>
             <a:endParaRPr lang="en-US"/>
           </a:p>
@@ -1445,7 +1445,7 @@
             <a:fld id="{A4FA2B0E-4818-9849-9CF1-1031FD4E1DAB}" type="datetimeFigureOut">
               <a:rPr lang="en-US" smtClean="0"/>
               <a:pPr/>
-              <a:t>12/11/18</a:t>
+              <a:t>6/18/25</a:t>
             </a:fld>
             <a:endParaRPr lang="en-US"/>
           </a:p>
@@ -1687,7 +1687,7 @@
             <a:fld id="{A4FA2B0E-4818-9849-9CF1-1031FD4E1DAB}" type="datetimeFigureOut">
               <a:rPr lang="en-US" smtClean="0"/>
               <a:pPr/>
-              <a:t>12/11/18</a:t>
+              <a:t>6/18/25</a:t>
             </a:fld>
             <a:endParaRPr lang="en-US"/>
           </a:p>
@@ -1969,7 +1969,7 @@
             <a:fld id="{A4FA2B0E-4818-9849-9CF1-1031FD4E1DAB}" type="datetimeFigureOut">
               <a:rPr lang="en-US" smtClean="0"/>
               <a:pPr/>
-              <a:t>12/11/18</a:t>
+              <a:t>6/18/25</a:t>
             </a:fld>
             <a:endParaRPr lang="en-US"/>
           </a:p>
@@ -2385,7 +2385,7 @@
             <a:fld id="{A4FA2B0E-4818-9849-9CF1-1031FD4E1DAB}" type="datetimeFigureOut">
               <a:rPr lang="en-US" smtClean="0"/>
               <a:pPr/>
-              <a:t>12/11/18</a:t>
+              <a:t>6/18/25</a:t>
             </a:fld>
             <a:endParaRPr lang="en-US"/>
           </a:p>
@@ -2499,7 +2499,7 @@
             <a:fld id="{A4FA2B0E-4818-9849-9CF1-1031FD4E1DAB}" type="datetimeFigureOut">
               <a:rPr lang="en-US" smtClean="0"/>
               <a:pPr/>
-              <a:t>12/11/18</a:t>
+              <a:t>6/18/25</a:t>
             </a:fld>
             <a:endParaRPr lang="en-US"/>
           </a:p>
@@ -2591,7 +2591,7 @@
             <a:fld id="{A4FA2B0E-4818-9849-9CF1-1031FD4E1DAB}" type="datetimeFigureOut">
               <a:rPr lang="en-US" smtClean="0"/>
               <a:pPr/>
-              <a:t>12/11/18</a:t>
+              <a:t>6/18/25</a:t>
             </a:fld>
             <a:endParaRPr lang="en-US"/>
           </a:p>
@@ -2863,7 +2863,7 @@
             <a:fld id="{A4FA2B0E-4818-9849-9CF1-1031FD4E1DAB}" type="datetimeFigureOut">
               <a:rPr lang="en-US" smtClean="0"/>
               <a:pPr/>
-              <a:t>12/11/18</a:t>
+              <a:t>6/18/25</a:t>
             </a:fld>
             <a:endParaRPr lang="en-US"/>
           </a:p>
@@ -3112,7 +3112,7 @@
             <a:fld id="{A4FA2B0E-4818-9849-9CF1-1031FD4E1DAB}" type="datetimeFigureOut">
               <a:rPr lang="en-US" smtClean="0"/>
               <a:pPr/>
-              <a:t>12/11/18</a:t>
+              <a:t>6/18/25</a:t>
             </a:fld>
             <a:endParaRPr lang="en-US"/>
           </a:p>
@@ -3320,7 +3320,7 @@
             <a:fld id="{A4FA2B0E-4818-9849-9CF1-1031FD4E1DAB}" type="datetimeFigureOut">
               <a:rPr lang="en-US" smtClean="0"/>
               <a:pPr/>
-              <a:t>12/11/18</a:t>
+              <a:t>6/18/25</a:t>
             </a:fld>
             <a:endParaRPr lang="en-US"/>
           </a:p>
@@ -3747,12 +3747,16 @@
           <a:lstStyle/>
           <a:p>
             <a:r>
-              <a:rPr lang="en-US" sz="3200" dirty="0">
+              <a:rPr lang="en-US" sz="3200">
                 <a:latin typeface="Times New Roman"/>
                 <a:cs typeface="Times New Roman"/>
               </a:rPr>
               <a:t>Class #4</a:t>
             </a:r>
+            <a:endParaRPr lang="en-US" sz="3200" dirty="0">
+              <a:latin typeface="Times New Roman"/>
+              <a:cs typeface="Times New Roman"/>
+            </a:endParaRPr>
           </a:p>
           <a:p>
             <a:pPr marL="568325" indent="-457200">
